--- a/brand/parts/assembly-overlay.pptx
+++ b/brand/parts/assembly-overlay.pptx
@@ -259,7 +259,7 @@
           <a:p>
             <a:fld id="{28637ECA-D0E0-ED4A-BF6D-4467896C3CEF}" type="datetimeFigureOut">
               <a:rPr lang="en-US" smtClean="0"/>
-              <a:t>4/26/22</a:t>
+              <a:t>4/27/22</a:t>
             </a:fld>
             <a:endParaRPr lang="en-US"/>
           </a:p>
@@ -457,7 +457,7 @@
           <a:p>
             <a:fld id="{28637ECA-D0E0-ED4A-BF6D-4467896C3CEF}" type="datetimeFigureOut">
               <a:rPr lang="en-US" smtClean="0"/>
-              <a:t>4/26/22</a:t>
+              <a:t>4/27/22</a:t>
             </a:fld>
             <a:endParaRPr lang="en-US"/>
           </a:p>
@@ -665,7 +665,7 @@
           <a:p>
             <a:fld id="{28637ECA-D0E0-ED4A-BF6D-4467896C3CEF}" type="datetimeFigureOut">
               <a:rPr lang="en-US" smtClean="0"/>
-              <a:t>4/26/22</a:t>
+              <a:t>4/27/22</a:t>
             </a:fld>
             <a:endParaRPr lang="en-US"/>
           </a:p>
@@ -863,7 +863,7 @@
           <a:p>
             <a:fld id="{28637ECA-D0E0-ED4A-BF6D-4467896C3CEF}" type="datetimeFigureOut">
               <a:rPr lang="en-US" smtClean="0"/>
-              <a:t>4/26/22</a:t>
+              <a:t>4/27/22</a:t>
             </a:fld>
             <a:endParaRPr lang="en-US"/>
           </a:p>
@@ -1138,7 +1138,7 @@
           <a:p>
             <a:fld id="{28637ECA-D0E0-ED4A-BF6D-4467896C3CEF}" type="datetimeFigureOut">
               <a:rPr lang="en-US" smtClean="0"/>
-              <a:t>4/26/22</a:t>
+              <a:t>4/27/22</a:t>
             </a:fld>
             <a:endParaRPr lang="en-US"/>
           </a:p>
@@ -1403,7 +1403,7 @@
           <a:p>
             <a:fld id="{28637ECA-D0E0-ED4A-BF6D-4467896C3CEF}" type="datetimeFigureOut">
               <a:rPr lang="en-US" smtClean="0"/>
-              <a:t>4/26/22</a:t>
+              <a:t>4/27/22</a:t>
             </a:fld>
             <a:endParaRPr lang="en-US"/>
           </a:p>
@@ -1815,7 +1815,7 @@
           <a:p>
             <a:fld id="{28637ECA-D0E0-ED4A-BF6D-4467896C3CEF}" type="datetimeFigureOut">
               <a:rPr lang="en-US" smtClean="0"/>
-              <a:t>4/26/22</a:t>
+              <a:t>4/27/22</a:t>
             </a:fld>
             <a:endParaRPr lang="en-US"/>
           </a:p>
@@ -1956,7 +1956,7 @@
           <a:p>
             <a:fld id="{28637ECA-D0E0-ED4A-BF6D-4467896C3CEF}" type="datetimeFigureOut">
               <a:rPr lang="en-US" smtClean="0"/>
-              <a:t>4/26/22</a:t>
+              <a:t>4/27/22</a:t>
             </a:fld>
             <a:endParaRPr lang="en-US"/>
           </a:p>
@@ -2069,7 +2069,7 @@
           <a:p>
             <a:fld id="{28637ECA-D0E0-ED4A-BF6D-4467896C3CEF}" type="datetimeFigureOut">
               <a:rPr lang="en-US" smtClean="0"/>
-              <a:t>4/26/22</a:t>
+              <a:t>4/27/22</a:t>
             </a:fld>
             <a:endParaRPr lang="en-US"/>
           </a:p>
@@ -2380,7 +2380,7 @@
           <a:p>
             <a:fld id="{28637ECA-D0E0-ED4A-BF6D-4467896C3CEF}" type="datetimeFigureOut">
               <a:rPr lang="en-US" smtClean="0"/>
-              <a:t>4/26/22</a:t>
+              <a:t>4/27/22</a:t>
             </a:fld>
             <a:endParaRPr lang="en-US"/>
           </a:p>
@@ -2668,7 +2668,7 @@
           <a:p>
             <a:fld id="{28637ECA-D0E0-ED4A-BF6D-4467896C3CEF}" type="datetimeFigureOut">
               <a:rPr lang="en-US" smtClean="0"/>
-              <a:t>4/26/22</a:t>
+              <a:t>4/27/22</a:t>
             </a:fld>
             <a:endParaRPr lang="en-US"/>
           </a:p>
@@ -2909,7 +2909,7 @@
           <a:p>
             <a:fld id="{28637ECA-D0E0-ED4A-BF6D-4467896C3CEF}" type="datetimeFigureOut">
               <a:rPr lang="en-US" smtClean="0"/>
-              <a:t>4/26/22</a:t>
+              <a:t>4/27/22</a:t>
             </a:fld>
             <a:endParaRPr lang="en-US"/>
           </a:p>
@@ -3623,6 +3623,267 @@
           </a:prstGeom>
         </p:spPr>
       </p:pic>
+      <p:sp>
+        <p:nvSpPr>
+          <p:cNvPr id="10" name="Rectangle 9">
+            <a:extLst>
+              <a:ext uri="{FF2B5EF4-FFF2-40B4-BE49-F238E27FC236}">
+                <a16:creationId xmlns:a16="http://schemas.microsoft.com/office/drawing/2014/main" id="{F87DBB3E-C765-FC4E-BCAE-5AF57F9686F0}"/>
+              </a:ext>
+            </a:extLst>
+          </p:cNvPr>
+          <p:cNvSpPr/>
+          <p:nvPr/>
+        </p:nvSpPr>
+        <p:spPr>
+          <a:xfrm>
+            <a:off x="1693163" y="2176238"/>
+            <a:ext cx="2174918" cy="2116882"/>
+          </a:xfrm>
+          <a:prstGeom prst="rect">
+            <a:avLst/>
+          </a:prstGeom>
+          <a:solidFill>
+            <a:schemeClr val="bg1"/>
+          </a:solidFill>
+          <a:ln>
+            <a:noFill/>
+          </a:ln>
+        </p:spPr>
+        <p:style>
+          <a:lnRef idx="2">
+            <a:schemeClr val="accent1">
+              <a:shade val="50000"/>
+            </a:schemeClr>
+          </a:lnRef>
+          <a:fillRef idx="1">
+            <a:schemeClr val="accent1"/>
+          </a:fillRef>
+          <a:effectRef idx="0">
+            <a:schemeClr val="accent1"/>
+          </a:effectRef>
+          <a:fontRef idx="minor">
+            <a:schemeClr val="lt1"/>
+          </a:fontRef>
+        </p:style>
+        <p:txBody>
+          <a:bodyPr rtlCol="0" anchor="ctr"/>
+          <a:lstStyle/>
+          <a:p>
+            <a:pPr algn="ctr"/>
+            <a:endParaRPr lang="en-US"/>
+          </a:p>
+        </p:txBody>
+      </p:sp>
+      <p:sp>
+        <p:nvSpPr>
+          <p:cNvPr id="16" name="Oval 15">
+            <a:extLst>
+              <a:ext uri="{FF2B5EF4-FFF2-40B4-BE49-F238E27FC236}">
+                <a16:creationId xmlns:a16="http://schemas.microsoft.com/office/drawing/2014/main" id="{2346CD52-CA23-CA4A-B48C-C4E472E50B0B}"/>
+              </a:ext>
+            </a:extLst>
+          </p:cNvPr>
+          <p:cNvSpPr/>
+          <p:nvPr/>
+        </p:nvSpPr>
+        <p:spPr>
+          <a:xfrm>
+            <a:off x="1751391" y="2259893"/>
+            <a:ext cx="2058462" cy="1949570"/>
+          </a:xfrm>
+          <a:prstGeom prst="ellipse">
+            <a:avLst/>
+          </a:prstGeom>
+          <a:solidFill>
+            <a:schemeClr val="bg1"/>
+          </a:solidFill>
+        </p:spPr>
+        <p:style>
+          <a:lnRef idx="2">
+            <a:schemeClr val="accent1">
+              <a:shade val="50000"/>
+            </a:schemeClr>
+          </a:lnRef>
+          <a:fillRef idx="1">
+            <a:schemeClr val="accent1"/>
+          </a:fillRef>
+          <a:effectRef idx="0">
+            <a:schemeClr val="accent1"/>
+          </a:effectRef>
+          <a:fontRef idx="minor">
+            <a:schemeClr val="lt1"/>
+          </a:fontRef>
+        </p:style>
+        <p:txBody>
+          <a:bodyPr rtlCol="0" anchor="ctr"/>
+          <a:lstStyle/>
+          <a:p>
+            <a:pPr algn="ctr"/>
+            <a:endParaRPr lang="en-US"/>
+          </a:p>
+        </p:txBody>
+      </p:sp>
+      <p:grpSp>
+        <p:nvGrpSpPr>
+          <p:cNvPr id="17" name="Group 16">
+            <a:extLst>
+              <a:ext uri="{FF2B5EF4-FFF2-40B4-BE49-F238E27FC236}">
+                <a16:creationId xmlns:a16="http://schemas.microsoft.com/office/drawing/2014/main" id="{9A0C1ED5-CC1B-7C4D-BCD0-629F9244C71C}"/>
+              </a:ext>
+            </a:extLst>
+          </p:cNvPr>
+          <p:cNvGrpSpPr/>
+          <p:nvPr/>
+        </p:nvGrpSpPr>
+        <p:grpSpPr>
+          <a:xfrm>
+            <a:off x="1693163" y="2176237"/>
+            <a:ext cx="2174918" cy="2116882"/>
+            <a:chOff x="8237131" y="2909258"/>
+            <a:chExt cx="2059555" cy="2059555"/>
+          </a:xfrm>
+        </p:grpSpPr>
+        <p:pic>
+          <p:nvPicPr>
+            <p:cNvPr id="18" name="Graphic 17">
+              <a:extLst>
+                <a:ext uri="{FF2B5EF4-FFF2-40B4-BE49-F238E27FC236}">
+                  <a16:creationId xmlns:a16="http://schemas.microsoft.com/office/drawing/2014/main" id="{F542EF51-0A99-BB4E-972C-C2FC19599F3D}"/>
+                </a:ext>
+              </a:extLst>
+            </p:cNvPr>
+            <p:cNvPicPr>
+              <a:picLocks noChangeAspect="1"/>
+            </p:cNvPicPr>
+            <p:nvPr/>
+          </p:nvPicPr>
+          <p:blipFill>
+            <a:blip r:embed="rId4">
+              <a:extLst>
+                <a:ext uri="{96DAC541-7B7A-43D3-8B79-37D633B846F1}">
+                  <asvg:svgBlip xmlns:asvg="http://schemas.microsoft.com/office/drawing/2016/SVG/main" r:embed="rId5"/>
+                </a:ext>
+              </a:extLst>
+            </a:blip>
+            <a:stretch>
+              <a:fillRect/>
+            </a:stretch>
+          </p:blipFill>
+          <p:spPr>
+            <a:xfrm>
+              <a:off x="8237131" y="2909258"/>
+              <a:ext cx="2059555" cy="2059555"/>
+            </a:xfrm>
+            <a:prstGeom prst="rect">
+              <a:avLst/>
+            </a:prstGeom>
+          </p:spPr>
+        </p:pic>
+        <p:pic>
+          <p:nvPicPr>
+            <p:cNvPr id="20" name="Graphic 19">
+              <a:extLst>
+                <a:ext uri="{FF2B5EF4-FFF2-40B4-BE49-F238E27FC236}">
+                  <a16:creationId xmlns:a16="http://schemas.microsoft.com/office/drawing/2014/main" id="{779F78BB-1E23-9846-848D-50D821E24F7C}"/>
+                </a:ext>
+              </a:extLst>
+            </p:cNvPr>
+            <p:cNvPicPr>
+              <a:picLocks noChangeAspect="1"/>
+            </p:cNvPicPr>
+            <p:nvPr/>
+          </p:nvPicPr>
+          <p:blipFill>
+            <a:blip r:embed="rId6">
+              <a:extLst>
+                <a:ext uri="{96DAC541-7B7A-43D3-8B79-37D633B846F1}">
+                  <asvg:svgBlip xmlns:asvg="http://schemas.microsoft.com/office/drawing/2016/SVG/main" r:embed="rId7"/>
+                </a:ext>
+              </a:extLst>
+            </a:blip>
+            <a:stretch>
+              <a:fillRect/>
+            </a:stretch>
+          </p:blipFill>
+          <p:spPr>
+            <a:xfrm>
+              <a:off x="8237131" y="2909258"/>
+              <a:ext cx="2059555" cy="2059555"/>
+            </a:xfrm>
+            <a:prstGeom prst="rect">
+              <a:avLst/>
+            </a:prstGeom>
+          </p:spPr>
+        </p:pic>
+      </p:grpSp>
+      <p:sp>
+        <p:nvSpPr>
+          <p:cNvPr id="24" name="TextBox 23">
+            <a:extLst>
+              <a:ext uri="{FF2B5EF4-FFF2-40B4-BE49-F238E27FC236}">
+                <a16:creationId xmlns:a16="http://schemas.microsoft.com/office/drawing/2014/main" id="{0E5FB88F-C615-6C45-BF67-39A3F55E0CE9}"/>
+              </a:ext>
+            </a:extLst>
+          </p:cNvPr>
+          <p:cNvSpPr txBox="1"/>
+          <p:nvPr/>
+        </p:nvSpPr>
+        <p:spPr>
+          <a:xfrm>
+            <a:off x="5671002" y="2003709"/>
+            <a:ext cx="184731" cy="369332"/>
+          </a:xfrm>
+          <a:prstGeom prst="rect">
+            <a:avLst/>
+          </a:prstGeom>
+          <a:noFill/>
+        </p:spPr>
+        <p:txBody>
+          <a:bodyPr wrap="none" rtlCol="0">
+            <a:spAutoFit/>
+          </a:bodyPr>
+          <a:lstStyle/>
+          <a:p>
+            <a:endParaRPr lang="en-US"/>
+          </a:p>
+        </p:txBody>
+      </p:sp>
+      <p:pic>
+        <p:nvPicPr>
+          <p:cNvPr id="25" name="Graphic 24">
+            <a:extLst>
+              <a:ext uri="{FF2B5EF4-FFF2-40B4-BE49-F238E27FC236}">
+                <a16:creationId xmlns:a16="http://schemas.microsoft.com/office/drawing/2014/main" id="{5B16B349-348C-D545-85CC-F9E6467DA44E}"/>
+              </a:ext>
+            </a:extLst>
+          </p:cNvPr>
+          <p:cNvPicPr>
+            <a:picLocks noChangeAspect="1"/>
+          </p:cNvPicPr>
+          <p:nvPr/>
+        </p:nvPicPr>
+        <p:blipFill rotWithShape="1">
+          <a:blip r:embed="rId10">
+            <a:extLst>
+              <a:ext uri="{96DAC541-7B7A-43D3-8B79-37D633B846F1}">
+                <asvg:svgBlip xmlns:asvg="http://schemas.microsoft.com/office/drawing/2016/SVG/main" r:embed="rId9"/>
+              </a:ext>
+            </a:extLst>
+          </a:blip>
+          <a:srcRect l="14291" t="10311" r="13704" b="12790"/>
+          <a:stretch/>
+        </p:blipFill>
+        <p:spPr>
+          <a:xfrm>
+            <a:off x="1997601" y="2387913"/>
+            <a:ext cx="1566041" cy="1627853"/>
+          </a:xfrm>
+          <a:prstGeom prst="ellipse">
+            <a:avLst/>
+          </a:prstGeom>
+        </p:spPr>
+      </p:pic>
     </p:spTree>
     <p:extLst>
       <p:ext uri="{BB962C8B-B14F-4D97-AF65-F5344CB8AC3E}">

--- a/brand/parts/assembly-overlay.pptx
+++ b/brand/parts/assembly-overlay.pptx
@@ -3623,107 +3623,6 @@
           </a:prstGeom>
         </p:spPr>
       </p:pic>
-      <p:sp>
-        <p:nvSpPr>
-          <p:cNvPr id="10" name="Rectangle 9">
-            <a:extLst>
-              <a:ext uri="{FF2B5EF4-FFF2-40B4-BE49-F238E27FC236}">
-                <a16:creationId xmlns:a16="http://schemas.microsoft.com/office/drawing/2014/main" id="{F87DBB3E-C765-FC4E-BCAE-5AF57F9686F0}"/>
-              </a:ext>
-            </a:extLst>
-          </p:cNvPr>
-          <p:cNvSpPr/>
-          <p:nvPr/>
-        </p:nvSpPr>
-        <p:spPr>
-          <a:xfrm>
-            <a:off x="1693163" y="2176238"/>
-            <a:ext cx="2174918" cy="2116882"/>
-          </a:xfrm>
-          <a:prstGeom prst="rect">
-            <a:avLst/>
-          </a:prstGeom>
-          <a:solidFill>
-            <a:schemeClr val="bg1"/>
-          </a:solidFill>
-          <a:ln>
-            <a:noFill/>
-          </a:ln>
-        </p:spPr>
-        <p:style>
-          <a:lnRef idx="2">
-            <a:schemeClr val="accent1">
-              <a:shade val="50000"/>
-            </a:schemeClr>
-          </a:lnRef>
-          <a:fillRef idx="1">
-            <a:schemeClr val="accent1"/>
-          </a:fillRef>
-          <a:effectRef idx="0">
-            <a:schemeClr val="accent1"/>
-          </a:effectRef>
-          <a:fontRef idx="minor">
-            <a:schemeClr val="lt1"/>
-          </a:fontRef>
-        </p:style>
-        <p:txBody>
-          <a:bodyPr rtlCol="0" anchor="ctr"/>
-          <a:lstStyle/>
-          <a:p>
-            <a:pPr algn="ctr"/>
-            <a:endParaRPr lang="en-US"/>
-          </a:p>
-        </p:txBody>
-      </p:sp>
-      <p:sp>
-        <p:nvSpPr>
-          <p:cNvPr id="16" name="Oval 15">
-            <a:extLst>
-              <a:ext uri="{FF2B5EF4-FFF2-40B4-BE49-F238E27FC236}">
-                <a16:creationId xmlns:a16="http://schemas.microsoft.com/office/drawing/2014/main" id="{2346CD52-CA23-CA4A-B48C-C4E472E50B0B}"/>
-              </a:ext>
-            </a:extLst>
-          </p:cNvPr>
-          <p:cNvSpPr/>
-          <p:nvPr/>
-        </p:nvSpPr>
-        <p:spPr>
-          <a:xfrm>
-            <a:off x="1751391" y="2259893"/>
-            <a:ext cx="2058462" cy="1949570"/>
-          </a:xfrm>
-          <a:prstGeom prst="ellipse">
-            <a:avLst/>
-          </a:prstGeom>
-          <a:solidFill>
-            <a:schemeClr val="bg1"/>
-          </a:solidFill>
-        </p:spPr>
-        <p:style>
-          <a:lnRef idx="2">
-            <a:schemeClr val="accent1">
-              <a:shade val="50000"/>
-            </a:schemeClr>
-          </a:lnRef>
-          <a:fillRef idx="1">
-            <a:schemeClr val="accent1"/>
-          </a:fillRef>
-          <a:effectRef idx="0">
-            <a:schemeClr val="accent1"/>
-          </a:effectRef>
-          <a:fontRef idx="minor">
-            <a:schemeClr val="lt1"/>
-          </a:fontRef>
-        </p:style>
-        <p:txBody>
-          <a:bodyPr rtlCol="0" anchor="ctr"/>
-          <a:lstStyle/>
-          <a:p>
-            <a:pPr algn="ctr"/>
-            <a:endParaRPr lang="en-US"/>
-          </a:p>
-        </p:txBody>
-      </p:sp>
       <p:grpSp>
         <p:nvGrpSpPr>
           <p:cNvPr id="17" name="Group 16">
@@ -3738,7 +3637,7 @@
         </p:nvGrpSpPr>
         <p:grpSpPr>
           <a:xfrm>
-            <a:off x="1693163" y="2176237"/>
+            <a:off x="1351026" y="1437235"/>
             <a:ext cx="2174918" cy="2116882"/>
             <a:chOff x="8237131" y="2909258"/>
             <a:chExt cx="2059555" cy="2059555"/>
@@ -3759,10 +3658,10 @@
             <p:nvPr/>
           </p:nvPicPr>
           <p:blipFill>
-            <a:blip r:embed="rId4">
+            <a:blip r:embed="rId6">
               <a:extLst>
                 <a:ext uri="{96DAC541-7B7A-43D3-8B79-37D633B846F1}">
-                  <asvg:svgBlip xmlns:asvg="http://schemas.microsoft.com/office/drawing/2016/SVG/main" r:embed="rId5"/>
+                  <asvg:svgBlip xmlns:asvg="http://schemas.microsoft.com/office/drawing/2016/SVG/main" r:embed="rId10"/>
                 </a:ext>
               </a:extLst>
             </a:blip>
@@ -3864,7 +3763,7 @@
           <p:nvPr/>
         </p:nvPicPr>
         <p:blipFill rotWithShape="1">
-          <a:blip r:embed="rId10">
+          <a:blip r:embed="rId11">
             <a:extLst>
               <a:ext uri="{96DAC541-7B7A-43D3-8B79-37D633B846F1}">
                 <asvg:svgBlip xmlns:asvg="http://schemas.microsoft.com/office/drawing/2016/SVG/main" r:embed="rId9"/>
@@ -3876,7 +3775,7 @@
         </p:blipFill>
         <p:spPr>
           <a:xfrm>
-            <a:off x="1997601" y="2387913"/>
+            <a:off x="1656812" y="1654002"/>
             <a:ext cx="1566041" cy="1627853"/>
           </a:xfrm>
           <a:prstGeom prst="ellipse">
